--- a/ppt 16-9/1305.圣经目录歌.pptx
+++ b/ppt 16-9/1305.圣经目录歌.pptx
@@ -5,7 +5,7 @@
     <p:sldMasterId id="2147483648" r:id="rId1"/>
   </p:sldMasterIdLst>
   <p:sldIdLst>
-    <p:sldId id="854" r:id="rId2"/>
+    <p:sldId id="855" r:id="rId2"/>
   </p:sldIdLst>
   <p:sldSz cx="12192000" cy="6858000"/>
   <p:notesSz cx="6858000" cy="9144000"/>
@@ -129,7 +129,7 @@
           <p:cNvPr id="2" name="标题 1">
             <a:extLst>
               <a:ext uri="{FF2B5EF4-FFF2-40B4-BE49-F238E27FC236}">
-                <a16:creationId xmlns:a16="http://schemas.microsoft.com/office/drawing/2014/main" id="{BE5F8050-5CF2-8AE4-819C-F4B97E4FF64F}"/>
+                <a16:creationId xmlns:a16="http://schemas.microsoft.com/office/drawing/2014/main" id="{6251EC0C-2964-D6FF-47F2-D4FF1F18FE65}"/>
               </a:ext>
             </a:extLst>
           </p:cNvPr>
@@ -166,7 +166,7 @@
           <p:cNvPr id="3" name="副标题 2">
             <a:extLst>
               <a:ext uri="{FF2B5EF4-FFF2-40B4-BE49-F238E27FC236}">
-                <a16:creationId xmlns:a16="http://schemas.microsoft.com/office/drawing/2014/main" id="{977B4E87-3497-BE14-3A9F-8DA12B66AE19}"/>
+                <a16:creationId xmlns:a16="http://schemas.microsoft.com/office/drawing/2014/main" id="{676B8EAE-A3F5-5251-F826-0735772A9DB8}"/>
               </a:ext>
             </a:extLst>
           </p:cNvPr>
@@ -236,7 +236,7 @@
           <p:cNvPr id="4" name="日期占位符 3">
             <a:extLst>
               <a:ext uri="{FF2B5EF4-FFF2-40B4-BE49-F238E27FC236}">
-                <a16:creationId xmlns:a16="http://schemas.microsoft.com/office/drawing/2014/main" id="{5B945E36-C273-5075-1A4C-EB8F34A9BB7B}"/>
+                <a16:creationId xmlns:a16="http://schemas.microsoft.com/office/drawing/2014/main" id="{CD67A6FE-BF86-EAAF-EA8E-31090CB2E1E0}"/>
               </a:ext>
             </a:extLst>
           </p:cNvPr>
@@ -252,7 +252,7 @@
           <a:bodyPr/>
           <a:lstStyle/>
           <a:p>
-            <a:fld id="{E33197CE-65A2-44A1-AE0A-E9E23ED6308F}" type="datetimeFigureOut">
+            <a:fld id="{D1FC9B73-72A9-4D4C-A3ED-367251295A4D}" type="datetimeFigureOut">
               <a:rPr lang="zh-CN" altLang="en-US" smtClean="0"/>
               <a:t>2024/3/10</a:t>
             </a:fld>
@@ -265,7 +265,7 @@
           <p:cNvPr id="5" name="页脚占位符 4">
             <a:extLst>
               <a:ext uri="{FF2B5EF4-FFF2-40B4-BE49-F238E27FC236}">
-                <a16:creationId xmlns:a16="http://schemas.microsoft.com/office/drawing/2014/main" id="{F040AEA4-9869-65D6-E5DD-6FAB25635097}"/>
+                <a16:creationId xmlns:a16="http://schemas.microsoft.com/office/drawing/2014/main" id="{06CCF79C-EB1F-18F3-C9A4-8B81F03389EE}"/>
               </a:ext>
             </a:extLst>
           </p:cNvPr>
@@ -290,7 +290,7 @@
           <p:cNvPr id="6" name="灯片编号占位符 5">
             <a:extLst>
               <a:ext uri="{FF2B5EF4-FFF2-40B4-BE49-F238E27FC236}">
-                <a16:creationId xmlns:a16="http://schemas.microsoft.com/office/drawing/2014/main" id="{E3E99800-3BC7-F8BC-57FE-E3C072897B44}"/>
+                <a16:creationId xmlns:a16="http://schemas.microsoft.com/office/drawing/2014/main" id="{0C83165D-117C-30B2-6E3B-BC659CCC49B2}"/>
               </a:ext>
             </a:extLst>
           </p:cNvPr>
@@ -306,7 +306,7 @@
           <a:bodyPr/>
           <a:lstStyle/>
           <a:p>
-            <a:fld id="{588F5A2C-7686-45CF-8727-65B4C63DF21C}" type="slidenum">
+            <a:fld id="{B54A8402-4FD4-4C2A-B6F4-6D9CF9947E8F}" type="slidenum">
               <a:rPr lang="zh-CN" altLang="en-US" smtClean="0"/>
               <a:t>‹#›</a:t>
             </a:fld>
@@ -317,7 +317,7 @@
     </p:spTree>
     <p:extLst>
       <p:ext uri="{BB962C8B-B14F-4D97-AF65-F5344CB8AC3E}">
-        <p14:creationId xmlns:p14="http://schemas.microsoft.com/office/powerpoint/2010/main" val="2250828556"/>
+        <p14:creationId xmlns:p14="http://schemas.microsoft.com/office/powerpoint/2010/main" val="4238019770"/>
       </p:ext>
     </p:extLst>
   </p:cSld>
@@ -349,7 +349,7 @@
           <p:cNvPr id="2" name="标题 1">
             <a:extLst>
               <a:ext uri="{FF2B5EF4-FFF2-40B4-BE49-F238E27FC236}">
-                <a16:creationId xmlns:a16="http://schemas.microsoft.com/office/drawing/2014/main" id="{A314F0D8-0908-1D76-93AB-91E49500E3A7}"/>
+                <a16:creationId xmlns:a16="http://schemas.microsoft.com/office/drawing/2014/main" id="{5820DE4D-0233-78E2-E2DA-04B71CB9B1D8}"/>
               </a:ext>
             </a:extLst>
           </p:cNvPr>
@@ -377,7 +377,7 @@
           <p:cNvPr id="3" name="竖排文字占位符 2">
             <a:extLst>
               <a:ext uri="{FF2B5EF4-FFF2-40B4-BE49-F238E27FC236}">
-                <a16:creationId xmlns:a16="http://schemas.microsoft.com/office/drawing/2014/main" id="{FC312112-FEA6-9267-F131-4C9AD39D63D0}"/>
+                <a16:creationId xmlns:a16="http://schemas.microsoft.com/office/drawing/2014/main" id="{83924B3C-29AD-6C45-EF67-903201C10448}"/>
               </a:ext>
             </a:extLst>
           </p:cNvPr>
@@ -434,7 +434,7 @@
           <p:cNvPr id="4" name="日期占位符 3">
             <a:extLst>
               <a:ext uri="{FF2B5EF4-FFF2-40B4-BE49-F238E27FC236}">
-                <a16:creationId xmlns:a16="http://schemas.microsoft.com/office/drawing/2014/main" id="{7F9516A5-F4A8-1B3C-1713-DB8C7F661E10}"/>
+                <a16:creationId xmlns:a16="http://schemas.microsoft.com/office/drawing/2014/main" id="{086D5E40-D942-801E-BFC3-A586A467F67F}"/>
               </a:ext>
             </a:extLst>
           </p:cNvPr>
@@ -450,7 +450,7 @@
           <a:bodyPr/>
           <a:lstStyle/>
           <a:p>
-            <a:fld id="{E33197CE-65A2-44A1-AE0A-E9E23ED6308F}" type="datetimeFigureOut">
+            <a:fld id="{D1FC9B73-72A9-4D4C-A3ED-367251295A4D}" type="datetimeFigureOut">
               <a:rPr lang="zh-CN" altLang="en-US" smtClean="0"/>
               <a:t>2024/3/10</a:t>
             </a:fld>
@@ -463,7 +463,7 @@
           <p:cNvPr id="5" name="页脚占位符 4">
             <a:extLst>
               <a:ext uri="{FF2B5EF4-FFF2-40B4-BE49-F238E27FC236}">
-                <a16:creationId xmlns:a16="http://schemas.microsoft.com/office/drawing/2014/main" id="{15235547-2282-6002-63FD-6C3973476157}"/>
+                <a16:creationId xmlns:a16="http://schemas.microsoft.com/office/drawing/2014/main" id="{8DCCAB83-9A4F-6725-BCD1-D624B839527D}"/>
               </a:ext>
             </a:extLst>
           </p:cNvPr>
@@ -488,7 +488,7 @@
           <p:cNvPr id="6" name="灯片编号占位符 5">
             <a:extLst>
               <a:ext uri="{FF2B5EF4-FFF2-40B4-BE49-F238E27FC236}">
-                <a16:creationId xmlns:a16="http://schemas.microsoft.com/office/drawing/2014/main" id="{4134AEBF-8248-9199-E227-B13CD1CEC142}"/>
+                <a16:creationId xmlns:a16="http://schemas.microsoft.com/office/drawing/2014/main" id="{B68B2848-E05A-E4F7-D4BA-E5D32C27B2F0}"/>
               </a:ext>
             </a:extLst>
           </p:cNvPr>
@@ -504,7 +504,7 @@
           <a:bodyPr/>
           <a:lstStyle/>
           <a:p>
-            <a:fld id="{588F5A2C-7686-45CF-8727-65B4C63DF21C}" type="slidenum">
+            <a:fld id="{B54A8402-4FD4-4C2A-B6F4-6D9CF9947E8F}" type="slidenum">
               <a:rPr lang="zh-CN" altLang="en-US" smtClean="0"/>
               <a:t>‹#›</a:t>
             </a:fld>
@@ -515,7 +515,7 @@
     </p:spTree>
     <p:extLst>
       <p:ext uri="{BB962C8B-B14F-4D97-AF65-F5344CB8AC3E}">
-        <p14:creationId xmlns:p14="http://schemas.microsoft.com/office/powerpoint/2010/main" val="472684340"/>
+        <p14:creationId xmlns:p14="http://schemas.microsoft.com/office/powerpoint/2010/main" val="1826249688"/>
       </p:ext>
     </p:extLst>
   </p:cSld>
@@ -547,7 +547,7 @@
           <p:cNvPr id="2" name="竖排标题 1">
             <a:extLst>
               <a:ext uri="{FF2B5EF4-FFF2-40B4-BE49-F238E27FC236}">
-                <a16:creationId xmlns:a16="http://schemas.microsoft.com/office/drawing/2014/main" id="{3E27CB1E-4428-C891-5C6C-45FBF3CBA5D8}"/>
+                <a16:creationId xmlns:a16="http://schemas.microsoft.com/office/drawing/2014/main" id="{6CDAD7A1-D878-A538-683B-185B5A9C0361}"/>
               </a:ext>
             </a:extLst>
           </p:cNvPr>
@@ -580,7 +580,7 @@
           <p:cNvPr id="3" name="竖排文字占位符 2">
             <a:extLst>
               <a:ext uri="{FF2B5EF4-FFF2-40B4-BE49-F238E27FC236}">
-                <a16:creationId xmlns:a16="http://schemas.microsoft.com/office/drawing/2014/main" id="{C7BE62C3-C0C6-E730-F6AB-D3921501EF3B}"/>
+                <a16:creationId xmlns:a16="http://schemas.microsoft.com/office/drawing/2014/main" id="{B2B578E5-BA18-BDE0-DA0D-7C1FD37C6911}"/>
               </a:ext>
             </a:extLst>
           </p:cNvPr>
@@ -642,7 +642,7 @@
           <p:cNvPr id="4" name="日期占位符 3">
             <a:extLst>
               <a:ext uri="{FF2B5EF4-FFF2-40B4-BE49-F238E27FC236}">
-                <a16:creationId xmlns:a16="http://schemas.microsoft.com/office/drawing/2014/main" id="{9BBCCF1B-ACAE-F4C4-5451-0B5BC1835E34}"/>
+                <a16:creationId xmlns:a16="http://schemas.microsoft.com/office/drawing/2014/main" id="{30C3E125-AC89-A02A-DC34-9B82254C2FBE}"/>
               </a:ext>
             </a:extLst>
           </p:cNvPr>
@@ -658,7 +658,7 @@
           <a:bodyPr/>
           <a:lstStyle/>
           <a:p>
-            <a:fld id="{E33197CE-65A2-44A1-AE0A-E9E23ED6308F}" type="datetimeFigureOut">
+            <a:fld id="{D1FC9B73-72A9-4D4C-A3ED-367251295A4D}" type="datetimeFigureOut">
               <a:rPr lang="zh-CN" altLang="en-US" smtClean="0"/>
               <a:t>2024/3/10</a:t>
             </a:fld>
@@ -671,7 +671,7 @@
           <p:cNvPr id="5" name="页脚占位符 4">
             <a:extLst>
               <a:ext uri="{FF2B5EF4-FFF2-40B4-BE49-F238E27FC236}">
-                <a16:creationId xmlns:a16="http://schemas.microsoft.com/office/drawing/2014/main" id="{EED3DBA0-A627-2AAA-B610-570D085E0DFB}"/>
+                <a16:creationId xmlns:a16="http://schemas.microsoft.com/office/drawing/2014/main" id="{7C3DF2C7-E841-0B41-56FD-AD75CD79284C}"/>
               </a:ext>
             </a:extLst>
           </p:cNvPr>
@@ -696,7 +696,7 @@
           <p:cNvPr id="6" name="灯片编号占位符 5">
             <a:extLst>
               <a:ext uri="{FF2B5EF4-FFF2-40B4-BE49-F238E27FC236}">
-                <a16:creationId xmlns:a16="http://schemas.microsoft.com/office/drawing/2014/main" id="{338B5A2F-3474-EA36-72C7-9AC83E999617}"/>
+                <a16:creationId xmlns:a16="http://schemas.microsoft.com/office/drawing/2014/main" id="{80C4CD13-EE7F-4685-2DEB-7C144AF9196E}"/>
               </a:ext>
             </a:extLst>
           </p:cNvPr>
@@ -712,7 +712,7 @@
           <a:bodyPr/>
           <a:lstStyle/>
           <a:p>
-            <a:fld id="{588F5A2C-7686-45CF-8727-65B4C63DF21C}" type="slidenum">
+            <a:fld id="{B54A8402-4FD4-4C2A-B6F4-6D9CF9947E8F}" type="slidenum">
               <a:rPr lang="zh-CN" altLang="en-US" smtClean="0"/>
               <a:t>‹#›</a:t>
             </a:fld>
@@ -723,7 +723,7 @@
     </p:spTree>
     <p:extLst>
       <p:ext uri="{BB962C8B-B14F-4D97-AF65-F5344CB8AC3E}">
-        <p14:creationId xmlns:p14="http://schemas.microsoft.com/office/powerpoint/2010/main" val="3477761631"/>
+        <p14:creationId xmlns:p14="http://schemas.microsoft.com/office/powerpoint/2010/main" val="2123871372"/>
       </p:ext>
     </p:extLst>
   </p:cSld>
@@ -755,7 +755,7 @@
           <p:cNvPr id="2" name="标题 1">
             <a:extLst>
               <a:ext uri="{FF2B5EF4-FFF2-40B4-BE49-F238E27FC236}">
-                <a16:creationId xmlns:a16="http://schemas.microsoft.com/office/drawing/2014/main" id="{F8E45C33-4C70-9FEC-40D1-6B36F40F35FD}"/>
+                <a16:creationId xmlns:a16="http://schemas.microsoft.com/office/drawing/2014/main" id="{DBFCE763-BD0B-0BB3-32F3-74804063CA3A}"/>
               </a:ext>
             </a:extLst>
           </p:cNvPr>
@@ -783,7 +783,7 @@
           <p:cNvPr id="3" name="内容占位符 2">
             <a:extLst>
               <a:ext uri="{FF2B5EF4-FFF2-40B4-BE49-F238E27FC236}">
-                <a16:creationId xmlns:a16="http://schemas.microsoft.com/office/drawing/2014/main" id="{96F1F9CF-DA4A-849E-FBED-FEC15679FF30}"/>
+                <a16:creationId xmlns:a16="http://schemas.microsoft.com/office/drawing/2014/main" id="{5AFA6C53-ED94-D00D-4D21-9580AD5F7F32}"/>
               </a:ext>
             </a:extLst>
           </p:cNvPr>
@@ -840,7 +840,7 @@
           <p:cNvPr id="4" name="日期占位符 3">
             <a:extLst>
               <a:ext uri="{FF2B5EF4-FFF2-40B4-BE49-F238E27FC236}">
-                <a16:creationId xmlns:a16="http://schemas.microsoft.com/office/drawing/2014/main" id="{1E258608-F264-545E-878A-C4CBBD02A0D9}"/>
+                <a16:creationId xmlns:a16="http://schemas.microsoft.com/office/drawing/2014/main" id="{81CFC1B9-48BD-4124-6D84-E96BFE3FF2BA}"/>
               </a:ext>
             </a:extLst>
           </p:cNvPr>
@@ -856,7 +856,7 @@
           <a:bodyPr/>
           <a:lstStyle/>
           <a:p>
-            <a:fld id="{E33197CE-65A2-44A1-AE0A-E9E23ED6308F}" type="datetimeFigureOut">
+            <a:fld id="{D1FC9B73-72A9-4D4C-A3ED-367251295A4D}" type="datetimeFigureOut">
               <a:rPr lang="zh-CN" altLang="en-US" smtClean="0"/>
               <a:t>2024/3/10</a:t>
             </a:fld>
@@ -869,7 +869,7 @@
           <p:cNvPr id="5" name="页脚占位符 4">
             <a:extLst>
               <a:ext uri="{FF2B5EF4-FFF2-40B4-BE49-F238E27FC236}">
-                <a16:creationId xmlns:a16="http://schemas.microsoft.com/office/drawing/2014/main" id="{B9943207-F684-44CB-2A7C-B3C93646F926}"/>
+                <a16:creationId xmlns:a16="http://schemas.microsoft.com/office/drawing/2014/main" id="{0E2A60FB-64E5-D3E4-7A54-478C58CB58F9}"/>
               </a:ext>
             </a:extLst>
           </p:cNvPr>
@@ -894,7 +894,7 @@
           <p:cNvPr id="6" name="灯片编号占位符 5">
             <a:extLst>
               <a:ext uri="{FF2B5EF4-FFF2-40B4-BE49-F238E27FC236}">
-                <a16:creationId xmlns:a16="http://schemas.microsoft.com/office/drawing/2014/main" id="{24F5E5ED-E0F1-7D32-27D6-5FCE5E173902}"/>
+                <a16:creationId xmlns:a16="http://schemas.microsoft.com/office/drawing/2014/main" id="{3136FDF6-3729-CAA1-91CE-34BFBFFAA88D}"/>
               </a:ext>
             </a:extLst>
           </p:cNvPr>
@@ -910,7 +910,7 @@
           <a:bodyPr/>
           <a:lstStyle/>
           <a:p>
-            <a:fld id="{588F5A2C-7686-45CF-8727-65B4C63DF21C}" type="slidenum">
+            <a:fld id="{B54A8402-4FD4-4C2A-B6F4-6D9CF9947E8F}" type="slidenum">
               <a:rPr lang="zh-CN" altLang="en-US" smtClean="0"/>
               <a:t>‹#›</a:t>
             </a:fld>
@@ -921,7 +921,7 @@
     </p:spTree>
     <p:extLst>
       <p:ext uri="{BB962C8B-B14F-4D97-AF65-F5344CB8AC3E}">
-        <p14:creationId xmlns:p14="http://schemas.microsoft.com/office/powerpoint/2010/main" val="3555013440"/>
+        <p14:creationId xmlns:p14="http://schemas.microsoft.com/office/powerpoint/2010/main" val="1570757468"/>
       </p:ext>
     </p:extLst>
   </p:cSld>
@@ -953,7 +953,7 @@
           <p:cNvPr id="2" name="标题 1">
             <a:extLst>
               <a:ext uri="{FF2B5EF4-FFF2-40B4-BE49-F238E27FC236}">
-                <a16:creationId xmlns:a16="http://schemas.microsoft.com/office/drawing/2014/main" id="{C8BCD8D6-7731-412C-C39E-AD687667380F}"/>
+                <a16:creationId xmlns:a16="http://schemas.microsoft.com/office/drawing/2014/main" id="{E8408A24-8CE8-EC88-F506-A9DA33AAAC2B}"/>
               </a:ext>
             </a:extLst>
           </p:cNvPr>
@@ -990,7 +990,7 @@
           <p:cNvPr id="3" name="文本占位符 2">
             <a:extLst>
               <a:ext uri="{FF2B5EF4-FFF2-40B4-BE49-F238E27FC236}">
-                <a16:creationId xmlns:a16="http://schemas.microsoft.com/office/drawing/2014/main" id="{4C91D994-0C71-8F8F-824B-34D873DD68F2}"/>
+                <a16:creationId xmlns:a16="http://schemas.microsoft.com/office/drawing/2014/main" id="{8D1B3A66-CC1E-24C9-2444-DABA319E493F}"/>
               </a:ext>
             </a:extLst>
           </p:cNvPr>
@@ -1115,7 +1115,7 @@
           <p:cNvPr id="4" name="日期占位符 3">
             <a:extLst>
               <a:ext uri="{FF2B5EF4-FFF2-40B4-BE49-F238E27FC236}">
-                <a16:creationId xmlns:a16="http://schemas.microsoft.com/office/drawing/2014/main" id="{01117829-9ED1-4C0D-C1E0-112CA3389538}"/>
+                <a16:creationId xmlns:a16="http://schemas.microsoft.com/office/drawing/2014/main" id="{8F99F121-74B5-A44F-96C5-ED1127B122D2}"/>
               </a:ext>
             </a:extLst>
           </p:cNvPr>
@@ -1131,7 +1131,7 @@
           <a:bodyPr/>
           <a:lstStyle/>
           <a:p>
-            <a:fld id="{E33197CE-65A2-44A1-AE0A-E9E23ED6308F}" type="datetimeFigureOut">
+            <a:fld id="{D1FC9B73-72A9-4D4C-A3ED-367251295A4D}" type="datetimeFigureOut">
               <a:rPr lang="zh-CN" altLang="en-US" smtClean="0"/>
               <a:t>2024/3/10</a:t>
             </a:fld>
@@ -1144,7 +1144,7 @@
           <p:cNvPr id="5" name="页脚占位符 4">
             <a:extLst>
               <a:ext uri="{FF2B5EF4-FFF2-40B4-BE49-F238E27FC236}">
-                <a16:creationId xmlns:a16="http://schemas.microsoft.com/office/drawing/2014/main" id="{4C500450-AB6A-5A28-E84A-81CAA55B60DE}"/>
+                <a16:creationId xmlns:a16="http://schemas.microsoft.com/office/drawing/2014/main" id="{174963A3-BC86-9A13-76D7-8C882A94791D}"/>
               </a:ext>
             </a:extLst>
           </p:cNvPr>
@@ -1169,7 +1169,7 @@
           <p:cNvPr id="6" name="灯片编号占位符 5">
             <a:extLst>
               <a:ext uri="{FF2B5EF4-FFF2-40B4-BE49-F238E27FC236}">
-                <a16:creationId xmlns:a16="http://schemas.microsoft.com/office/drawing/2014/main" id="{32364D47-A74B-CDC8-42C6-5917C6FEF9DF}"/>
+                <a16:creationId xmlns:a16="http://schemas.microsoft.com/office/drawing/2014/main" id="{BA240FB5-1C5C-9FE9-CC32-8D41E01C0C76}"/>
               </a:ext>
             </a:extLst>
           </p:cNvPr>
@@ -1185,7 +1185,7 @@
           <a:bodyPr/>
           <a:lstStyle/>
           <a:p>
-            <a:fld id="{588F5A2C-7686-45CF-8727-65B4C63DF21C}" type="slidenum">
+            <a:fld id="{B54A8402-4FD4-4C2A-B6F4-6D9CF9947E8F}" type="slidenum">
               <a:rPr lang="zh-CN" altLang="en-US" smtClean="0"/>
               <a:t>‹#›</a:t>
             </a:fld>
@@ -1196,7 +1196,7 @@
     </p:spTree>
     <p:extLst>
       <p:ext uri="{BB962C8B-B14F-4D97-AF65-F5344CB8AC3E}">
-        <p14:creationId xmlns:p14="http://schemas.microsoft.com/office/powerpoint/2010/main" val="1663699279"/>
+        <p14:creationId xmlns:p14="http://schemas.microsoft.com/office/powerpoint/2010/main" val="3899230618"/>
       </p:ext>
     </p:extLst>
   </p:cSld>
@@ -1228,7 +1228,7 @@
           <p:cNvPr id="2" name="标题 1">
             <a:extLst>
               <a:ext uri="{FF2B5EF4-FFF2-40B4-BE49-F238E27FC236}">
-                <a16:creationId xmlns:a16="http://schemas.microsoft.com/office/drawing/2014/main" id="{1243F596-9CCE-A34E-D159-C91F8E49AEA0}"/>
+                <a16:creationId xmlns:a16="http://schemas.microsoft.com/office/drawing/2014/main" id="{1FE36791-3249-E9B3-36D4-1739FC317EBD}"/>
               </a:ext>
             </a:extLst>
           </p:cNvPr>
@@ -1256,7 +1256,7 @@
           <p:cNvPr id="3" name="内容占位符 2">
             <a:extLst>
               <a:ext uri="{FF2B5EF4-FFF2-40B4-BE49-F238E27FC236}">
-                <a16:creationId xmlns:a16="http://schemas.microsoft.com/office/drawing/2014/main" id="{56549462-5B74-89A3-A30B-3DB87EC0C95D}"/>
+                <a16:creationId xmlns:a16="http://schemas.microsoft.com/office/drawing/2014/main" id="{5F90EF5E-1CD4-4DAD-F54C-B00128C215B0}"/>
               </a:ext>
             </a:extLst>
           </p:cNvPr>
@@ -1318,7 +1318,7 @@
           <p:cNvPr id="4" name="内容占位符 3">
             <a:extLst>
               <a:ext uri="{FF2B5EF4-FFF2-40B4-BE49-F238E27FC236}">
-                <a16:creationId xmlns:a16="http://schemas.microsoft.com/office/drawing/2014/main" id="{76B7715F-DAD8-8019-CB10-9929CFA08D53}"/>
+                <a16:creationId xmlns:a16="http://schemas.microsoft.com/office/drawing/2014/main" id="{1B7C215B-5F31-C06A-B5E2-6756F7352A34}"/>
               </a:ext>
             </a:extLst>
           </p:cNvPr>
@@ -1380,7 +1380,7 @@
           <p:cNvPr id="5" name="日期占位符 4">
             <a:extLst>
               <a:ext uri="{FF2B5EF4-FFF2-40B4-BE49-F238E27FC236}">
-                <a16:creationId xmlns:a16="http://schemas.microsoft.com/office/drawing/2014/main" id="{1E6987CD-EFA1-78BC-B06D-ED55AB19CE39}"/>
+                <a16:creationId xmlns:a16="http://schemas.microsoft.com/office/drawing/2014/main" id="{83A46E7A-3259-DA01-406E-77DC6EC66D4D}"/>
               </a:ext>
             </a:extLst>
           </p:cNvPr>
@@ -1396,7 +1396,7 @@
           <a:bodyPr/>
           <a:lstStyle/>
           <a:p>
-            <a:fld id="{E33197CE-65A2-44A1-AE0A-E9E23ED6308F}" type="datetimeFigureOut">
+            <a:fld id="{D1FC9B73-72A9-4D4C-A3ED-367251295A4D}" type="datetimeFigureOut">
               <a:rPr lang="zh-CN" altLang="en-US" smtClean="0"/>
               <a:t>2024/3/10</a:t>
             </a:fld>
@@ -1409,7 +1409,7 @@
           <p:cNvPr id="6" name="页脚占位符 5">
             <a:extLst>
               <a:ext uri="{FF2B5EF4-FFF2-40B4-BE49-F238E27FC236}">
-                <a16:creationId xmlns:a16="http://schemas.microsoft.com/office/drawing/2014/main" id="{3C8A8D26-924F-F217-7405-82AB78459BA5}"/>
+                <a16:creationId xmlns:a16="http://schemas.microsoft.com/office/drawing/2014/main" id="{9432DDDB-D513-FD63-A595-1FFD07460283}"/>
               </a:ext>
             </a:extLst>
           </p:cNvPr>
@@ -1434,7 +1434,7 @@
           <p:cNvPr id="7" name="灯片编号占位符 6">
             <a:extLst>
               <a:ext uri="{FF2B5EF4-FFF2-40B4-BE49-F238E27FC236}">
-                <a16:creationId xmlns:a16="http://schemas.microsoft.com/office/drawing/2014/main" id="{365117DB-E8FD-0EF0-E321-10FC931C7D4E}"/>
+                <a16:creationId xmlns:a16="http://schemas.microsoft.com/office/drawing/2014/main" id="{04FDE0C2-6CE4-773D-5293-B0B1AEB885FB}"/>
               </a:ext>
             </a:extLst>
           </p:cNvPr>
@@ -1450,7 +1450,7 @@
           <a:bodyPr/>
           <a:lstStyle/>
           <a:p>
-            <a:fld id="{588F5A2C-7686-45CF-8727-65B4C63DF21C}" type="slidenum">
+            <a:fld id="{B54A8402-4FD4-4C2A-B6F4-6D9CF9947E8F}" type="slidenum">
               <a:rPr lang="zh-CN" altLang="en-US" smtClean="0"/>
               <a:t>‹#›</a:t>
             </a:fld>
@@ -1461,7 +1461,7 @@
     </p:spTree>
     <p:extLst>
       <p:ext uri="{BB962C8B-B14F-4D97-AF65-F5344CB8AC3E}">
-        <p14:creationId xmlns:p14="http://schemas.microsoft.com/office/powerpoint/2010/main" val="1638755630"/>
+        <p14:creationId xmlns:p14="http://schemas.microsoft.com/office/powerpoint/2010/main" val="3280113378"/>
       </p:ext>
     </p:extLst>
   </p:cSld>
@@ -1493,7 +1493,7 @@
           <p:cNvPr id="2" name="标题 1">
             <a:extLst>
               <a:ext uri="{FF2B5EF4-FFF2-40B4-BE49-F238E27FC236}">
-                <a16:creationId xmlns:a16="http://schemas.microsoft.com/office/drawing/2014/main" id="{1F685030-FCD9-75BE-F3B0-9AFF3A22B218}"/>
+                <a16:creationId xmlns:a16="http://schemas.microsoft.com/office/drawing/2014/main" id="{C87DFB35-10E2-310F-DF39-19AECAC08BAC}"/>
               </a:ext>
             </a:extLst>
           </p:cNvPr>
@@ -1526,7 +1526,7 @@
           <p:cNvPr id="3" name="文本占位符 2">
             <a:extLst>
               <a:ext uri="{FF2B5EF4-FFF2-40B4-BE49-F238E27FC236}">
-                <a16:creationId xmlns:a16="http://schemas.microsoft.com/office/drawing/2014/main" id="{ACAE34A9-EE63-DF45-9E73-D9494A6EBFBF}"/>
+                <a16:creationId xmlns:a16="http://schemas.microsoft.com/office/drawing/2014/main" id="{DEF28E74-BD4B-E0D1-970E-6B83D0936F8B}"/>
               </a:ext>
             </a:extLst>
           </p:cNvPr>
@@ -1597,7 +1597,7 @@
           <p:cNvPr id="4" name="内容占位符 3">
             <a:extLst>
               <a:ext uri="{FF2B5EF4-FFF2-40B4-BE49-F238E27FC236}">
-                <a16:creationId xmlns:a16="http://schemas.microsoft.com/office/drawing/2014/main" id="{239B139E-6130-F710-8FCF-19D860C40B43}"/>
+                <a16:creationId xmlns:a16="http://schemas.microsoft.com/office/drawing/2014/main" id="{F67996BA-2FF5-3D72-014B-99BF12BA4AC5}"/>
               </a:ext>
             </a:extLst>
           </p:cNvPr>
@@ -1659,7 +1659,7 @@
           <p:cNvPr id="5" name="文本占位符 4">
             <a:extLst>
               <a:ext uri="{FF2B5EF4-FFF2-40B4-BE49-F238E27FC236}">
-                <a16:creationId xmlns:a16="http://schemas.microsoft.com/office/drawing/2014/main" id="{205FC817-59F3-901F-A220-C10E543BE29A}"/>
+                <a16:creationId xmlns:a16="http://schemas.microsoft.com/office/drawing/2014/main" id="{67E02EAD-B5AB-E984-1624-3740BC7DCA39}"/>
               </a:ext>
             </a:extLst>
           </p:cNvPr>
@@ -1730,7 +1730,7 @@
           <p:cNvPr id="6" name="内容占位符 5">
             <a:extLst>
               <a:ext uri="{FF2B5EF4-FFF2-40B4-BE49-F238E27FC236}">
-                <a16:creationId xmlns:a16="http://schemas.microsoft.com/office/drawing/2014/main" id="{43FA8982-634A-8E84-CE8D-AC804ACDAEFC}"/>
+                <a16:creationId xmlns:a16="http://schemas.microsoft.com/office/drawing/2014/main" id="{DBDAFED0-13F7-AA1A-7CDE-5F04F500A48D}"/>
               </a:ext>
             </a:extLst>
           </p:cNvPr>
@@ -1792,7 +1792,7 @@
           <p:cNvPr id="7" name="日期占位符 6">
             <a:extLst>
               <a:ext uri="{FF2B5EF4-FFF2-40B4-BE49-F238E27FC236}">
-                <a16:creationId xmlns:a16="http://schemas.microsoft.com/office/drawing/2014/main" id="{AADDFCA4-E9FA-8046-FD42-13C377955827}"/>
+                <a16:creationId xmlns:a16="http://schemas.microsoft.com/office/drawing/2014/main" id="{BA6DD98C-E316-3A09-B401-02C44C04E21D}"/>
               </a:ext>
             </a:extLst>
           </p:cNvPr>
@@ -1808,7 +1808,7 @@
           <a:bodyPr/>
           <a:lstStyle/>
           <a:p>
-            <a:fld id="{E33197CE-65A2-44A1-AE0A-E9E23ED6308F}" type="datetimeFigureOut">
+            <a:fld id="{D1FC9B73-72A9-4D4C-A3ED-367251295A4D}" type="datetimeFigureOut">
               <a:rPr lang="zh-CN" altLang="en-US" smtClean="0"/>
               <a:t>2024/3/10</a:t>
             </a:fld>
@@ -1821,7 +1821,7 @@
           <p:cNvPr id="8" name="页脚占位符 7">
             <a:extLst>
               <a:ext uri="{FF2B5EF4-FFF2-40B4-BE49-F238E27FC236}">
-                <a16:creationId xmlns:a16="http://schemas.microsoft.com/office/drawing/2014/main" id="{D8F92C1A-36DF-FDAC-BF64-ACE75C4E2AC5}"/>
+                <a16:creationId xmlns:a16="http://schemas.microsoft.com/office/drawing/2014/main" id="{3EB339BC-336F-1BBA-80A9-8B5A65ABDC6C}"/>
               </a:ext>
             </a:extLst>
           </p:cNvPr>
@@ -1846,7 +1846,7 @@
           <p:cNvPr id="9" name="灯片编号占位符 8">
             <a:extLst>
               <a:ext uri="{FF2B5EF4-FFF2-40B4-BE49-F238E27FC236}">
-                <a16:creationId xmlns:a16="http://schemas.microsoft.com/office/drawing/2014/main" id="{88B0FB6A-05A8-1CB6-D491-94C64F7C50F7}"/>
+                <a16:creationId xmlns:a16="http://schemas.microsoft.com/office/drawing/2014/main" id="{6313047F-2D8D-1A5F-C65F-12E4B9E68BF6}"/>
               </a:ext>
             </a:extLst>
           </p:cNvPr>
@@ -1862,7 +1862,7 @@
           <a:bodyPr/>
           <a:lstStyle/>
           <a:p>
-            <a:fld id="{588F5A2C-7686-45CF-8727-65B4C63DF21C}" type="slidenum">
+            <a:fld id="{B54A8402-4FD4-4C2A-B6F4-6D9CF9947E8F}" type="slidenum">
               <a:rPr lang="zh-CN" altLang="en-US" smtClean="0"/>
               <a:t>‹#›</a:t>
             </a:fld>
@@ -1873,7 +1873,7 @@
     </p:spTree>
     <p:extLst>
       <p:ext uri="{BB962C8B-B14F-4D97-AF65-F5344CB8AC3E}">
-        <p14:creationId xmlns:p14="http://schemas.microsoft.com/office/powerpoint/2010/main" val="3172040140"/>
+        <p14:creationId xmlns:p14="http://schemas.microsoft.com/office/powerpoint/2010/main" val="1842564231"/>
       </p:ext>
     </p:extLst>
   </p:cSld>
@@ -1905,7 +1905,7 @@
           <p:cNvPr id="2" name="标题 1">
             <a:extLst>
               <a:ext uri="{FF2B5EF4-FFF2-40B4-BE49-F238E27FC236}">
-                <a16:creationId xmlns:a16="http://schemas.microsoft.com/office/drawing/2014/main" id="{8571C903-9916-18AA-D99B-6B218100DF69}"/>
+                <a16:creationId xmlns:a16="http://schemas.microsoft.com/office/drawing/2014/main" id="{C2096A47-FFA3-541E-6362-A05AC55275E5}"/>
               </a:ext>
             </a:extLst>
           </p:cNvPr>
@@ -1933,7 +1933,7 @@
           <p:cNvPr id="3" name="日期占位符 2">
             <a:extLst>
               <a:ext uri="{FF2B5EF4-FFF2-40B4-BE49-F238E27FC236}">
-                <a16:creationId xmlns:a16="http://schemas.microsoft.com/office/drawing/2014/main" id="{2F0A5545-8F83-0A29-2493-DF3B1244A05B}"/>
+                <a16:creationId xmlns:a16="http://schemas.microsoft.com/office/drawing/2014/main" id="{4DC17518-846A-8EB0-24D0-62673B2B1D9A}"/>
               </a:ext>
             </a:extLst>
           </p:cNvPr>
@@ -1949,7 +1949,7 @@
           <a:bodyPr/>
           <a:lstStyle/>
           <a:p>
-            <a:fld id="{E33197CE-65A2-44A1-AE0A-E9E23ED6308F}" type="datetimeFigureOut">
+            <a:fld id="{D1FC9B73-72A9-4D4C-A3ED-367251295A4D}" type="datetimeFigureOut">
               <a:rPr lang="zh-CN" altLang="en-US" smtClean="0"/>
               <a:t>2024/3/10</a:t>
             </a:fld>
@@ -1962,7 +1962,7 @@
           <p:cNvPr id="4" name="页脚占位符 3">
             <a:extLst>
               <a:ext uri="{FF2B5EF4-FFF2-40B4-BE49-F238E27FC236}">
-                <a16:creationId xmlns:a16="http://schemas.microsoft.com/office/drawing/2014/main" id="{279C185B-7D45-45DA-B581-CB18DCCE3173}"/>
+                <a16:creationId xmlns:a16="http://schemas.microsoft.com/office/drawing/2014/main" id="{9DECAC68-56E1-B3E7-7244-160D87AF2D68}"/>
               </a:ext>
             </a:extLst>
           </p:cNvPr>
@@ -1987,7 +1987,7 @@
           <p:cNvPr id="5" name="灯片编号占位符 4">
             <a:extLst>
               <a:ext uri="{FF2B5EF4-FFF2-40B4-BE49-F238E27FC236}">
-                <a16:creationId xmlns:a16="http://schemas.microsoft.com/office/drawing/2014/main" id="{F3681969-6ADE-B1AC-2F11-4501457E368D}"/>
+                <a16:creationId xmlns:a16="http://schemas.microsoft.com/office/drawing/2014/main" id="{59AD5EB1-9F70-0C41-ADEC-ABD89BB54895}"/>
               </a:ext>
             </a:extLst>
           </p:cNvPr>
@@ -2003,7 +2003,7 @@
           <a:bodyPr/>
           <a:lstStyle/>
           <a:p>
-            <a:fld id="{588F5A2C-7686-45CF-8727-65B4C63DF21C}" type="slidenum">
+            <a:fld id="{B54A8402-4FD4-4C2A-B6F4-6D9CF9947E8F}" type="slidenum">
               <a:rPr lang="zh-CN" altLang="en-US" smtClean="0"/>
               <a:t>‹#›</a:t>
             </a:fld>
@@ -2014,7 +2014,7 @@
     </p:spTree>
     <p:extLst>
       <p:ext uri="{BB962C8B-B14F-4D97-AF65-F5344CB8AC3E}">
-        <p14:creationId xmlns:p14="http://schemas.microsoft.com/office/powerpoint/2010/main" val="3623698019"/>
+        <p14:creationId xmlns:p14="http://schemas.microsoft.com/office/powerpoint/2010/main" val="2825817659"/>
       </p:ext>
     </p:extLst>
   </p:cSld>
@@ -2046,7 +2046,7 @@
           <p:cNvPr id="2" name="日期占位符 1">
             <a:extLst>
               <a:ext uri="{FF2B5EF4-FFF2-40B4-BE49-F238E27FC236}">
-                <a16:creationId xmlns:a16="http://schemas.microsoft.com/office/drawing/2014/main" id="{1359E84E-729A-A8B2-1BFE-CEC2186B6994}"/>
+                <a16:creationId xmlns:a16="http://schemas.microsoft.com/office/drawing/2014/main" id="{A2C839DF-423E-5ED5-22DC-AD346E6B5650}"/>
               </a:ext>
             </a:extLst>
           </p:cNvPr>
@@ -2062,7 +2062,7 @@
           <a:bodyPr/>
           <a:lstStyle/>
           <a:p>
-            <a:fld id="{E33197CE-65A2-44A1-AE0A-E9E23ED6308F}" type="datetimeFigureOut">
+            <a:fld id="{D1FC9B73-72A9-4D4C-A3ED-367251295A4D}" type="datetimeFigureOut">
               <a:rPr lang="zh-CN" altLang="en-US" smtClean="0"/>
               <a:t>2024/3/10</a:t>
             </a:fld>
@@ -2075,7 +2075,7 @@
           <p:cNvPr id="3" name="页脚占位符 2">
             <a:extLst>
               <a:ext uri="{FF2B5EF4-FFF2-40B4-BE49-F238E27FC236}">
-                <a16:creationId xmlns:a16="http://schemas.microsoft.com/office/drawing/2014/main" id="{BBF16DAA-E299-8A0E-ABEC-BB559DE64346}"/>
+                <a16:creationId xmlns:a16="http://schemas.microsoft.com/office/drawing/2014/main" id="{3A5BEA94-EE39-62B4-F954-237F156A13EF}"/>
               </a:ext>
             </a:extLst>
           </p:cNvPr>
@@ -2100,7 +2100,7 @@
           <p:cNvPr id="4" name="灯片编号占位符 3">
             <a:extLst>
               <a:ext uri="{FF2B5EF4-FFF2-40B4-BE49-F238E27FC236}">
-                <a16:creationId xmlns:a16="http://schemas.microsoft.com/office/drawing/2014/main" id="{215F5590-7090-09FC-2450-E55D2F763994}"/>
+                <a16:creationId xmlns:a16="http://schemas.microsoft.com/office/drawing/2014/main" id="{2BDD7D59-91DD-08FD-CFB6-72EC6D7D2FFC}"/>
               </a:ext>
             </a:extLst>
           </p:cNvPr>
@@ -2116,7 +2116,7 @@
           <a:bodyPr/>
           <a:lstStyle/>
           <a:p>
-            <a:fld id="{588F5A2C-7686-45CF-8727-65B4C63DF21C}" type="slidenum">
+            <a:fld id="{B54A8402-4FD4-4C2A-B6F4-6D9CF9947E8F}" type="slidenum">
               <a:rPr lang="zh-CN" altLang="en-US" smtClean="0"/>
               <a:t>‹#›</a:t>
             </a:fld>
@@ -2127,7 +2127,7 @@
     </p:spTree>
     <p:extLst>
       <p:ext uri="{BB962C8B-B14F-4D97-AF65-F5344CB8AC3E}">
-        <p14:creationId xmlns:p14="http://schemas.microsoft.com/office/powerpoint/2010/main" val="3132753566"/>
+        <p14:creationId xmlns:p14="http://schemas.microsoft.com/office/powerpoint/2010/main" val="4106413029"/>
       </p:ext>
     </p:extLst>
   </p:cSld>
@@ -2159,7 +2159,7 @@
           <p:cNvPr id="2" name="标题 1">
             <a:extLst>
               <a:ext uri="{FF2B5EF4-FFF2-40B4-BE49-F238E27FC236}">
-                <a16:creationId xmlns:a16="http://schemas.microsoft.com/office/drawing/2014/main" id="{8FDEBE44-F232-5EA7-693A-740AEABBE81D}"/>
+                <a16:creationId xmlns:a16="http://schemas.microsoft.com/office/drawing/2014/main" id="{D4A16195-A7C5-BA59-A1F7-C07989E4036D}"/>
               </a:ext>
             </a:extLst>
           </p:cNvPr>
@@ -2196,7 +2196,7 @@
           <p:cNvPr id="3" name="内容占位符 2">
             <a:extLst>
               <a:ext uri="{FF2B5EF4-FFF2-40B4-BE49-F238E27FC236}">
-                <a16:creationId xmlns:a16="http://schemas.microsoft.com/office/drawing/2014/main" id="{D6111803-425F-6704-F34F-082D582BA761}"/>
+                <a16:creationId xmlns:a16="http://schemas.microsoft.com/office/drawing/2014/main" id="{D4E42A9E-3706-A776-7BD9-DEDFD3864EB1}"/>
               </a:ext>
             </a:extLst>
           </p:cNvPr>
@@ -2286,7 +2286,7 @@
           <p:cNvPr id="4" name="文本占位符 3">
             <a:extLst>
               <a:ext uri="{FF2B5EF4-FFF2-40B4-BE49-F238E27FC236}">
-                <a16:creationId xmlns:a16="http://schemas.microsoft.com/office/drawing/2014/main" id="{B826F30E-8A26-67C8-4BF9-294A79343DB2}"/>
+                <a16:creationId xmlns:a16="http://schemas.microsoft.com/office/drawing/2014/main" id="{E566F82F-9794-B124-C75A-31CDB08C6D8C}"/>
               </a:ext>
             </a:extLst>
           </p:cNvPr>
@@ -2357,7 +2357,7 @@
           <p:cNvPr id="5" name="日期占位符 4">
             <a:extLst>
               <a:ext uri="{FF2B5EF4-FFF2-40B4-BE49-F238E27FC236}">
-                <a16:creationId xmlns:a16="http://schemas.microsoft.com/office/drawing/2014/main" id="{2066FC4A-605D-977D-C344-E8920D2F4D97}"/>
+                <a16:creationId xmlns:a16="http://schemas.microsoft.com/office/drawing/2014/main" id="{A7DB527B-FCF9-A1A5-6C00-80973183A6B6}"/>
               </a:ext>
             </a:extLst>
           </p:cNvPr>
@@ -2373,7 +2373,7 @@
           <a:bodyPr/>
           <a:lstStyle/>
           <a:p>
-            <a:fld id="{E33197CE-65A2-44A1-AE0A-E9E23ED6308F}" type="datetimeFigureOut">
+            <a:fld id="{D1FC9B73-72A9-4D4C-A3ED-367251295A4D}" type="datetimeFigureOut">
               <a:rPr lang="zh-CN" altLang="en-US" smtClean="0"/>
               <a:t>2024/3/10</a:t>
             </a:fld>
@@ -2386,7 +2386,7 @@
           <p:cNvPr id="6" name="页脚占位符 5">
             <a:extLst>
               <a:ext uri="{FF2B5EF4-FFF2-40B4-BE49-F238E27FC236}">
-                <a16:creationId xmlns:a16="http://schemas.microsoft.com/office/drawing/2014/main" id="{3E31AE7D-D979-973E-640F-F979EBA377F7}"/>
+                <a16:creationId xmlns:a16="http://schemas.microsoft.com/office/drawing/2014/main" id="{A7DF6069-0FDF-7BE3-CA9A-77A4B061AFCA}"/>
               </a:ext>
             </a:extLst>
           </p:cNvPr>
@@ -2411,7 +2411,7 @@
           <p:cNvPr id="7" name="灯片编号占位符 6">
             <a:extLst>
               <a:ext uri="{FF2B5EF4-FFF2-40B4-BE49-F238E27FC236}">
-                <a16:creationId xmlns:a16="http://schemas.microsoft.com/office/drawing/2014/main" id="{8BD052A9-4D1E-5B66-94E5-122216BFF22F}"/>
+                <a16:creationId xmlns:a16="http://schemas.microsoft.com/office/drawing/2014/main" id="{C395AE37-93A3-B940-DEBF-8C933BDC7354}"/>
               </a:ext>
             </a:extLst>
           </p:cNvPr>
@@ -2427,7 +2427,7 @@
           <a:bodyPr/>
           <a:lstStyle/>
           <a:p>
-            <a:fld id="{588F5A2C-7686-45CF-8727-65B4C63DF21C}" type="slidenum">
+            <a:fld id="{B54A8402-4FD4-4C2A-B6F4-6D9CF9947E8F}" type="slidenum">
               <a:rPr lang="zh-CN" altLang="en-US" smtClean="0"/>
               <a:t>‹#›</a:t>
             </a:fld>
@@ -2438,7 +2438,7 @@
     </p:spTree>
     <p:extLst>
       <p:ext uri="{BB962C8B-B14F-4D97-AF65-F5344CB8AC3E}">
-        <p14:creationId xmlns:p14="http://schemas.microsoft.com/office/powerpoint/2010/main" val="3177227807"/>
+        <p14:creationId xmlns:p14="http://schemas.microsoft.com/office/powerpoint/2010/main" val="1550024389"/>
       </p:ext>
     </p:extLst>
   </p:cSld>
@@ -2470,7 +2470,7 @@
           <p:cNvPr id="2" name="标题 1">
             <a:extLst>
               <a:ext uri="{FF2B5EF4-FFF2-40B4-BE49-F238E27FC236}">
-                <a16:creationId xmlns:a16="http://schemas.microsoft.com/office/drawing/2014/main" id="{2E151B10-7D94-5ED4-31E0-789E835B70E7}"/>
+                <a16:creationId xmlns:a16="http://schemas.microsoft.com/office/drawing/2014/main" id="{68BC74CE-3442-08E6-096C-ED2833B03830}"/>
               </a:ext>
             </a:extLst>
           </p:cNvPr>
@@ -2507,7 +2507,7 @@
           <p:cNvPr id="3" name="图片占位符 2">
             <a:extLst>
               <a:ext uri="{FF2B5EF4-FFF2-40B4-BE49-F238E27FC236}">
-                <a16:creationId xmlns:a16="http://schemas.microsoft.com/office/drawing/2014/main" id="{EC5BC484-5E51-D890-9058-FE85D651ABE8}"/>
+                <a16:creationId xmlns:a16="http://schemas.microsoft.com/office/drawing/2014/main" id="{5625F6DA-1DCE-5663-17DC-D6202EBF33F7}"/>
               </a:ext>
             </a:extLst>
           </p:cNvPr>
@@ -2574,7 +2574,7 @@
           <p:cNvPr id="4" name="文本占位符 3">
             <a:extLst>
               <a:ext uri="{FF2B5EF4-FFF2-40B4-BE49-F238E27FC236}">
-                <a16:creationId xmlns:a16="http://schemas.microsoft.com/office/drawing/2014/main" id="{57D831FF-095A-4DD8-1F51-8CA005B690C2}"/>
+                <a16:creationId xmlns:a16="http://schemas.microsoft.com/office/drawing/2014/main" id="{4D64B1E9-3D68-0E5E-794B-A4F962329DE8}"/>
               </a:ext>
             </a:extLst>
           </p:cNvPr>
@@ -2645,7 +2645,7 @@
           <p:cNvPr id="5" name="日期占位符 4">
             <a:extLst>
               <a:ext uri="{FF2B5EF4-FFF2-40B4-BE49-F238E27FC236}">
-                <a16:creationId xmlns:a16="http://schemas.microsoft.com/office/drawing/2014/main" id="{438282F2-F1A9-2ADF-A602-2A063DA07D08}"/>
+                <a16:creationId xmlns:a16="http://schemas.microsoft.com/office/drawing/2014/main" id="{F3CA345D-522C-7115-47FC-E9F1D58A7D8F}"/>
               </a:ext>
             </a:extLst>
           </p:cNvPr>
@@ -2661,7 +2661,7 @@
           <a:bodyPr/>
           <a:lstStyle/>
           <a:p>
-            <a:fld id="{E33197CE-65A2-44A1-AE0A-E9E23ED6308F}" type="datetimeFigureOut">
+            <a:fld id="{D1FC9B73-72A9-4D4C-A3ED-367251295A4D}" type="datetimeFigureOut">
               <a:rPr lang="zh-CN" altLang="en-US" smtClean="0"/>
               <a:t>2024/3/10</a:t>
             </a:fld>
@@ -2674,7 +2674,7 @@
           <p:cNvPr id="6" name="页脚占位符 5">
             <a:extLst>
               <a:ext uri="{FF2B5EF4-FFF2-40B4-BE49-F238E27FC236}">
-                <a16:creationId xmlns:a16="http://schemas.microsoft.com/office/drawing/2014/main" id="{FFE43083-A986-3E51-1652-60EA905D60DD}"/>
+                <a16:creationId xmlns:a16="http://schemas.microsoft.com/office/drawing/2014/main" id="{A1D9ABD3-1363-2D9F-CA11-A4041D8E7009}"/>
               </a:ext>
             </a:extLst>
           </p:cNvPr>
@@ -2699,7 +2699,7 @@
           <p:cNvPr id="7" name="灯片编号占位符 6">
             <a:extLst>
               <a:ext uri="{FF2B5EF4-FFF2-40B4-BE49-F238E27FC236}">
-                <a16:creationId xmlns:a16="http://schemas.microsoft.com/office/drawing/2014/main" id="{C0987591-B761-8532-BF43-9555F54E3891}"/>
+                <a16:creationId xmlns:a16="http://schemas.microsoft.com/office/drawing/2014/main" id="{221D0599-AE62-AEB6-9F68-695385A72D71}"/>
               </a:ext>
             </a:extLst>
           </p:cNvPr>
@@ -2715,7 +2715,7 @@
           <a:bodyPr/>
           <a:lstStyle/>
           <a:p>
-            <a:fld id="{588F5A2C-7686-45CF-8727-65B4C63DF21C}" type="slidenum">
+            <a:fld id="{B54A8402-4FD4-4C2A-B6F4-6D9CF9947E8F}" type="slidenum">
               <a:rPr lang="zh-CN" altLang="en-US" smtClean="0"/>
               <a:t>‹#›</a:t>
             </a:fld>
@@ -2726,7 +2726,7 @@
     </p:spTree>
     <p:extLst>
       <p:ext uri="{BB962C8B-B14F-4D97-AF65-F5344CB8AC3E}">
-        <p14:creationId xmlns:p14="http://schemas.microsoft.com/office/powerpoint/2010/main" val="2324800036"/>
+        <p14:creationId xmlns:p14="http://schemas.microsoft.com/office/powerpoint/2010/main" val="3145500632"/>
       </p:ext>
     </p:extLst>
   </p:cSld>
@@ -2763,7 +2763,7 @@
           <p:cNvPr id="2" name="标题占位符 1">
             <a:extLst>
               <a:ext uri="{FF2B5EF4-FFF2-40B4-BE49-F238E27FC236}">
-                <a16:creationId xmlns:a16="http://schemas.microsoft.com/office/drawing/2014/main" id="{6D3ADDD8-0623-A6AF-EED8-81DE46B75FA5}"/>
+                <a16:creationId xmlns:a16="http://schemas.microsoft.com/office/drawing/2014/main" id="{E69D82CA-D379-18CA-C0B3-832150E02E94}"/>
               </a:ext>
             </a:extLst>
           </p:cNvPr>
@@ -2801,7 +2801,7 @@
           <p:cNvPr id="3" name="文本占位符 2">
             <a:extLst>
               <a:ext uri="{FF2B5EF4-FFF2-40B4-BE49-F238E27FC236}">
-                <a16:creationId xmlns:a16="http://schemas.microsoft.com/office/drawing/2014/main" id="{1E9ED496-2CFE-FDE8-F2A9-052F668B48B3}"/>
+                <a16:creationId xmlns:a16="http://schemas.microsoft.com/office/drawing/2014/main" id="{BC0BBE1E-78B2-6B42-4EDE-EEE7BC5777C1}"/>
               </a:ext>
             </a:extLst>
           </p:cNvPr>
@@ -2868,7 +2868,7 @@
           <p:cNvPr id="4" name="日期占位符 3">
             <a:extLst>
               <a:ext uri="{FF2B5EF4-FFF2-40B4-BE49-F238E27FC236}">
-                <a16:creationId xmlns:a16="http://schemas.microsoft.com/office/drawing/2014/main" id="{2A1EB3AC-E56C-9216-3C80-B985CBA39D97}"/>
+                <a16:creationId xmlns:a16="http://schemas.microsoft.com/office/drawing/2014/main" id="{B0F343C1-4073-D10B-DDE6-54D1A01218A1}"/>
               </a:ext>
             </a:extLst>
           </p:cNvPr>
@@ -2902,7 +2902,7 @@
             </a:lvl1pPr>
           </a:lstStyle>
           <a:p>
-            <a:fld id="{E33197CE-65A2-44A1-AE0A-E9E23ED6308F}" type="datetimeFigureOut">
+            <a:fld id="{D1FC9B73-72A9-4D4C-A3ED-367251295A4D}" type="datetimeFigureOut">
               <a:rPr lang="zh-CN" altLang="en-US" smtClean="0"/>
               <a:t>2024/3/10</a:t>
             </a:fld>
@@ -2915,7 +2915,7 @@
           <p:cNvPr id="5" name="页脚占位符 4">
             <a:extLst>
               <a:ext uri="{FF2B5EF4-FFF2-40B4-BE49-F238E27FC236}">
-                <a16:creationId xmlns:a16="http://schemas.microsoft.com/office/drawing/2014/main" id="{D8D207E2-D18C-C7F7-7A43-87C00A3EBBE4}"/>
+                <a16:creationId xmlns:a16="http://schemas.microsoft.com/office/drawing/2014/main" id="{FE2FEE95-F2A4-68E9-D352-DBB3B12CA9FF}"/>
               </a:ext>
             </a:extLst>
           </p:cNvPr>
@@ -2958,7 +2958,7 @@
           <p:cNvPr id="6" name="灯片编号占位符 5">
             <a:extLst>
               <a:ext uri="{FF2B5EF4-FFF2-40B4-BE49-F238E27FC236}">
-                <a16:creationId xmlns:a16="http://schemas.microsoft.com/office/drawing/2014/main" id="{BB216648-878E-C587-32D4-A90280DB10CD}"/>
+                <a16:creationId xmlns:a16="http://schemas.microsoft.com/office/drawing/2014/main" id="{8AD1C25F-A961-8C04-F3B4-3B5CEDEE2AD7}"/>
               </a:ext>
             </a:extLst>
           </p:cNvPr>
@@ -2992,7 +2992,7 @@
             </a:lvl1pPr>
           </a:lstStyle>
           <a:p>
-            <a:fld id="{588F5A2C-7686-45CF-8727-65B4C63DF21C}" type="slidenum">
+            <a:fld id="{B54A8402-4FD4-4C2A-B6F4-6D9CF9947E8F}" type="slidenum">
               <a:rPr lang="zh-CN" altLang="en-US" smtClean="0"/>
               <a:t>‹#›</a:t>
             </a:fld>
@@ -3003,7 +3003,7 @@
     </p:spTree>
     <p:extLst>
       <p:ext uri="{BB962C8B-B14F-4D97-AF65-F5344CB8AC3E}">
-        <p14:creationId xmlns:p14="http://schemas.microsoft.com/office/powerpoint/2010/main" val="1606557498"/>
+        <p14:creationId xmlns:p14="http://schemas.microsoft.com/office/powerpoint/2010/main" val="3743506175"/>
       </p:ext>
     </p:extLst>
   </p:cSld>
@@ -3323,7 +3323,7 @@
       </p:grpSpPr>
       <p:pic>
         <p:nvPicPr>
-          <p:cNvPr id="1336322" name="Picture 2" descr="1304"/>
+          <p:cNvPr id="1337346" name="Picture 2" descr="1305"/>
           <p:cNvPicPr>
             <a:picLocks noChangeAspect="1" noChangeArrowheads="1"/>
           </p:cNvPicPr>
@@ -3344,8 +3344,8 @@
         </p:blipFill>
         <p:spPr bwMode="auto">
           <a:xfrm>
-            <a:off x="1524000" y="0"/>
-            <a:ext cx="9144000" cy="6858000"/>
+            <a:off x="1543050" y="14288"/>
+            <a:ext cx="9124950" cy="6843712"/>
           </a:xfrm>
           <a:prstGeom prst="rect">
             <a:avLst/>
